--- a/data-512-course_project_3/final.pptx
+++ b/data-512-course_project_3/final.pptx
@@ -16,7 +16,7 @@
     <p:sldId id="264" r:id="rId10"/>
     <p:sldId id="265" r:id="rId11"/>
     <p:sldId id="266" r:id="rId12"/>
-    <p:sldId id="267" r:id="rId13"/>
+    <p:sldId id="268" r:id="rId13"/>
   </p:sldIdLst>
   <p:sldSz cx="12192000" cy="6858000"/>
   <p:notesSz cx="6858000" cy="9144000"/>
@@ -115,6 +115,11 @@
       </a:defRPr>
     </a:lvl9pPr>
   </p:defaultTextStyle>
+  <p:extLst>
+    <p:ext uri="{EFAFB233-063F-42B5-8137-9DF3F51BA10A}">
+      <p15:sldGuideLst xmlns:p15="http://schemas.microsoft.com/office/powerpoint/2012/main"/>
+    </p:ext>
+  </p:extLst>
 </p:presentation>
 </file>
 
@@ -265,7 +270,7 @@
           <a:p>
             <a:fld id="{218EC946-D9FF-6548-A577-D2DB6B9CF8C7}" type="datetimeFigureOut">
               <a:rPr lang="en-US" smtClean="0"/>
-              <a:t>12/1/22</a:t>
+              <a:t>12/5/22</a:t>
             </a:fld>
             <a:endParaRPr lang="en-US"/>
           </a:p>
@@ -337,10 +342,10 @@
   </p:clrMapOvr>
   <mc:AlternateContent xmlns:mc="http://schemas.openxmlformats.org/markup-compatibility/2006">
     <mc:Choice xmlns:p14="http://schemas.microsoft.com/office/powerpoint/2010/main" Requires="p14">
-      <p:transition spd="slow" p14:dur="2000" advClick="0" advTm="20000"/>
+      <p:transition p14:dur="250" advClick="0" advTm="20000"/>
     </mc:Choice>
     <mc:Fallback>
-      <p:transition spd="slow" advClick="0" advTm="20000"/>
+      <p:transition advClick="0" advTm="20000"/>
     </mc:Fallback>
   </mc:AlternateContent>
 </p:sldLayout>
@@ -471,7 +476,7 @@
           <a:p>
             <a:fld id="{218EC946-D9FF-6548-A577-D2DB6B9CF8C7}" type="datetimeFigureOut">
               <a:rPr lang="en-US" smtClean="0"/>
-              <a:t>12/1/22</a:t>
+              <a:t>12/5/22</a:t>
             </a:fld>
             <a:endParaRPr lang="en-US"/>
           </a:p>
@@ -543,10 +548,10 @@
   </p:clrMapOvr>
   <mc:AlternateContent xmlns:mc="http://schemas.openxmlformats.org/markup-compatibility/2006">
     <mc:Choice xmlns:p14="http://schemas.microsoft.com/office/powerpoint/2010/main" Requires="p14">
-      <p:transition spd="slow" p14:dur="2000" advClick="0" advTm="20000"/>
+      <p:transition p14:dur="250" advClick="0" advTm="20000"/>
     </mc:Choice>
     <mc:Fallback>
-      <p:transition spd="slow" advClick="0" advTm="20000"/>
+      <p:transition advClick="0" advTm="20000"/>
     </mc:Fallback>
   </mc:AlternateContent>
 </p:sldLayout>
@@ -687,7 +692,7 @@
           <a:p>
             <a:fld id="{218EC946-D9FF-6548-A577-D2DB6B9CF8C7}" type="datetimeFigureOut">
               <a:rPr lang="en-US" smtClean="0"/>
-              <a:t>12/1/22</a:t>
+              <a:t>12/5/22</a:t>
             </a:fld>
             <a:endParaRPr lang="en-US"/>
           </a:p>
@@ -759,10 +764,10 @@
   </p:clrMapOvr>
   <mc:AlternateContent xmlns:mc="http://schemas.openxmlformats.org/markup-compatibility/2006">
     <mc:Choice xmlns:p14="http://schemas.microsoft.com/office/powerpoint/2010/main" Requires="p14">
-      <p:transition spd="slow" p14:dur="2000" advClick="0" advTm="20000"/>
+      <p:transition p14:dur="250" advClick="0" advTm="20000"/>
     </mc:Choice>
     <mc:Fallback>
-      <p:transition spd="slow" advClick="0" advTm="20000"/>
+      <p:transition advClick="0" advTm="20000"/>
     </mc:Fallback>
   </mc:AlternateContent>
 </p:sldLayout>
@@ -893,7 +898,7 @@
           <a:p>
             <a:fld id="{218EC946-D9FF-6548-A577-D2DB6B9CF8C7}" type="datetimeFigureOut">
               <a:rPr lang="en-US" smtClean="0"/>
-              <a:t>12/1/22</a:t>
+              <a:t>12/5/22</a:t>
             </a:fld>
             <a:endParaRPr lang="en-US"/>
           </a:p>
@@ -965,10 +970,10 @@
   </p:clrMapOvr>
   <mc:AlternateContent xmlns:mc="http://schemas.openxmlformats.org/markup-compatibility/2006">
     <mc:Choice xmlns:p14="http://schemas.microsoft.com/office/powerpoint/2010/main" Requires="p14">
-      <p:transition spd="slow" p14:dur="2000" advClick="0" advTm="20000"/>
+      <p:transition p14:dur="250" advClick="0" advTm="20000"/>
     </mc:Choice>
     <mc:Fallback>
-      <p:transition spd="slow" advClick="0" advTm="20000"/>
+      <p:transition advClick="0" advTm="20000"/>
     </mc:Fallback>
   </mc:AlternateContent>
 </p:sldLayout>
@@ -1176,7 +1181,7 @@
           <a:p>
             <a:fld id="{218EC946-D9FF-6548-A577-D2DB6B9CF8C7}" type="datetimeFigureOut">
               <a:rPr lang="en-US" smtClean="0"/>
-              <a:t>12/1/22</a:t>
+              <a:t>12/5/22</a:t>
             </a:fld>
             <a:endParaRPr lang="en-US"/>
           </a:p>
@@ -1248,10 +1253,10 @@
   </p:clrMapOvr>
   <mc:AlternateContent xmlns:mc="http://schemas.openxmlformats.org/markup-compatibility/2006">
     <mc:Choice xmlns:p14="http://schemas.microsoft.com/office/powerpoint/2010/main" Requires="p14">
-      <p:transition spd="slow" p14:dur="2000" advClick="0" advTm="20000"/>
+      <p:transition p14:dur="250" advClick="0" advTm="20000"/>
     </mc:Choice>
     <mc:Fallback>
-      <p:transition spd="slow" advClick="0" advTm="20000"/>
+      <p:transition advClick="0" advTm="20000"/>
     </mc:Fallback>
   </mc:AlternateContent>
 </p:sldLayout>
@@ -1449,7 +1454,7 @@
           <a:p>
             <a:fld id="{218EC946-D9FF-6548-A577-D2DB6B9CF8C7}" type="datetimeFigureOut">
               <a:rPr lang="en-US" smtClean="0"/>
-              <a:t>12/1/22</a:t>
+              <a:t>12/5/22</a:t>
             </a:fld>
             <a:endParaRPr lang="en-US"/>
           </a:p>
@@ -1521,10 +1526,10 @@
   </p:clrMapOvr>
   <mc:AlternateContent xmlns:mc="http://schemas.openxmlformats.org/markup-compatibility/2006">
     <mc:Choice xmlns:p14="http://schemas.microsoft.com/office/powerpoint/2010/main" Requires="p14">
-      <p:transition spd="slow" p14:dur="2000" advClick="0" advTm="20000"/>
+      <p:transition p14:dur="250" advClick="0" advTm="20000"/>
     </mc:Choice>
     <mc:Fallback>
-      <p:transition spd="slow" advClick="0" advTm="20000"/>
+      <p:transition advClick="0" advTm="20000"/>
     </mc:Fallback>
   </mc:AlternateContent>
 </p:sldLayout>
@@ -1869,7 +1874,7 @@
           <a:p>
             <a:fld id="{218EC946-D9FF-6548-A577-D2DB6B9CF8C7}" type="datetimeFigureOut">
               <a:rPr lang="en-US" smtClean="0"/>
-              <a:t>12/1/22</a:t>
+              <a:t>12/5/22</a:t>
             </a:fld>
             <a:endParaRPr lang="en-US"/>
           </a:p>
@@ -1941,10 +1946,10 @@
   </p:clrMapOvr>
   <mc:AlternateContent xmlns:mc="http://schemas.openxmlformats.org/markup-compatibility/2006">
     <mc:Choice xmlns:p14="http://schemas.microsoft.com/office/powerpoint/2010/main" Requires="p14">
-      <p:transition spd="slow" p14:dur="2000" advClick="0" advTm="20000"/>
+      <p:transition p14:dur="250" advClick="0" advTm="20000"/>
     </mc:Choice>
     <mc:Fallback>
-      <p:transition spd="slow" advClick="0" advTm="20000"/>
+      <p:transition advClick="0" advTm="20000"/>
     </mc:Fallback>
   </mc:AlternateContent>
 </p:sldLayout>
@@ -2018,7 +2023,7 @@
           <a:p>
             <a:fld id="{218EC946-D9FF-6548-A577-D2DB6B9CF8C7}" type="datetimeFigureOut">
               <a:rPr lang="en-US" smtClean="0"/>
-              <a:t>12/1/22</a:t>
+              <a:t>12/5/22</a:t>
             </a:fld>
             <a:endParaRPr lang="en-US"/>
           </a:p>
@@ -2090,10 +2095,10 @@
   </p:clrMapOvr>
   <mc:AlternateContent xmlns:mc="http://schemas.openxmlformats.org/markup-compatibility/2006">
     <mc:Choice xmlns:p14="http://schemas.microsoft.com/office/powerpoint/2010/main" Requires="p14">
-      <p:transition spd="slow" p14:dur="2000" advClick="0" advTm="20000"/>
+      <p:transition p14:dur="250" advClick="0" advTm="20000"/>
     </mc:Choice>
     <mc:Fallback>
-      <p:transition spd="slow" advClick="0" advTm="20000"/>
+      <p:transition advClick="0" advTm="20000"/>
     </mc:Fallback>
   </mc:AlternateContent>
 </p:sldLayout>
@@ -2139,7 +2144,7 @@
           <a:p>
             <a:fld id="{218EC946-D9FF-6548-A577-D2DB6B9CF8C7}" type="datetimeFigureOut">
               <a:rPr lang="en-US" smtClean="0"/>
-              <a:t>12/1/22</a:t>
+              <a:t>12/5/22</a:t>
             </a:fld>
             <a:endParaRPr lang="en-US"/>
           </a:p>
@@ -2211,10 +2216,10 @@
   </p:clrMapOvr>
   <mc:AlternateContent xmlns:mc="http://schemas.openxmlformats.org/markup-compatibility/2006">
     <mc:Choice xmlns:p14="http://schemas.microsoft.com/office/powerpoint/2010/main" Requires="p14">
-      <p:transition spd="slow" p14:dur="2000" advClick="0" advTm="20000"/>
+      <p:transition p14:dur="250" advClick="0" advTm="20000"/>
     </mc:Choice>
     <mc:Fallback>
-      <p:transition spd="slow" advClick="0" advTm="20000"/>
+      <p:transition advClick="0" advTm="20000"/>
     </mc:Fallback>
   </mc:AlternateContent>
 </p:sldLayout>
@@ -2458,7 +2463,7 @@
           <a:p>
             <a:fld id="{218EC946-D9FF-6548-A577-D2DB6B9CF8C7}" type="datetimeFigureOut">
               <a:rPr lang="en-US" smtClean="0"/>
-              <a:t>12/1/22</a:t>
+              <a:t>12/5/22</a:t>
             </a:fld>
             <a:endParaRPr lang="en-US"/>
           </a:p>
@@ -2530,10 +2535,10 @@
   </p:clrMapOvr>
   <mc:AlternateContent xmlns:mc="http://schemas.openxmlformats.org/markup-compatibility/2006">
     <mc:Choice xmlns:p14="http://schemas.microsoft.com/office/powerpoint/2010/main" Requires="p14">
-      <p:transition spd="slow" p14:dur="2000" advClick="0" advTm="20000"/>
+      <p:transition p14:dur="250" advClick="0" advTm="20000"/>
     </mc:Choice>
     <mc:Fallback>
-      <p:transition spd="slow" advClick="0" advTm="20000"/>
+      <p:transition advClick="0" advTm="20000"/>
     </mc:Fallback>
   </mc:AlternateContent>
 </p:sldLayout>
@@ -2754,7 +2759,7 @@
           <a:p>
             <a:fld id="{218EC946-D9FF-6548-A577-D2DB6B9CF8C7}" type="datetimeFigureOut">
               <a:rPr lang="en-US" smtClean="0"/>
-              <a:t>12/1/22</a:t>
+              <a:t>12/5/22</a:t>
             </a:fld>
             <a:endParaRPr lang="en-US"/>
           </a:p>
@@ -2826,10 +2831,10 @@
   </p:clrMapOvr>
   <mc:AlternateContent xmlns:mc="http://schemas.openxmlformats.org/markup-compatibility/2006">
     <mc:Choice xmlns:p14="http://schemas.microsoft.com/office/powerpoint/2010/main" Requires="p14">
-      <p:transition spd="slow" p14:dur="2000" advClick="0" advTm="20000"/>
+      <p:transition p14:dur="250" advClick="0" advTm="20000"/>
     </mc:Choice>
     <mc:Fallback>
-      <p:transition spd="slow" advClick="0" advTm="20000"/>
+      <p:transition advClick="0" advTm="20000"/>
     </mc:Fallback>
   </mc:AlternateContent>
 </p:sldLayout>
@@ -3003,7 +3008,7 @@
           <a:p>
             <a:fld id="{218EC946-D9FF-6548-A577-D2DB6B9CF8C7}" type="datetimeFigureOut">
               <a:rPr lang="en-US" smtClean="0"/>
-              <a:t>12/1/22</a:t>
+              <a:t>12/5/22</a:t>
             </a:fld>
             <a:endParaRPr lang="en-US"/>
           </a:p>
@@ -3122,10 +3127,10 @@
   </p:sldLayoutIdLst>
   <mc:AlternateContent xmlns:mc="http://schemas.openxmlformats.org/markup-compatibility/2006">
     <mc:Choice xmlns:p14="http://schemas.microsoft.com/office/powerpoint/2010/main" Requires="p14">
-      <p:transition spd="slow" p14:dur="2000" advClick="0" advTm="20000"/>
+      <p:transition p14:dur="250" advClick="0" advTm="20000"/>
     </mc:Choice>
     <mc:Fallback>
-      <p:transition spd="slow" advClick="0" advTm="20000"/>
+      <p:transition advClick="0" advTm="20000"/>
     </mc:Fallback>
   </mc:AlternateContent>
   <p:txStyles>
@@ -3549,10 +3554,10 @@
   </p:clrMapOvr>
   <mc:AlternateContent xmlns:mc="http://schemas.openxmlformats.org/markup-compatibility/2006">
     <mc:Choice xmlns:p14="http://schemas.microsoft.com/office/powerpoint/2010/main" Requires="p14">
-      <p:transition spd="slow" p14:dur="2000" advClick="0" advTm="20000"/>
+      <p:transition p14:dur="250"/>
     </mc:Choice>
     <mc:Fallback>
-      <p:transition spd="slow" advClick="0" advTm="20000"/>
+      <p:transition/>
     </mc:Fallback>
   </mc:AlternateContent>
 </p:sld>
@@ -3625,13 +3630,7 @@
           <a:lstStyle/>
           <a:p>
             <a:r>
-              <a:rPr lang="en-US" dirty="0"/>
-              <a:t>There is a difference between the cold itself making a person sick and the cold impacting the rates of disease.</a:t>
-            </a:r>
-          </a:p>
-          <a:p>
-            <a:r>
-              <a:rPr lang="en-US" dirty="0"/>
+              <a:rPr lang="en-US" b="1" dirty="0"/>
               <a:t>We believe that temperature affects the rates for both diseases. (as shown in the hypothesis test)</a:t>
             </a:r>
           </a:p>
@@ -3643,7 +3642,7 @@
           </a:p>
           <a:p>
             <a:r>
-              <a:rPr lang="en-US" dirty="0"/>
+              <a:rPr lang="en-US" b="1" dirty="0"/>
               <a:t>But it does affect the rates for both a cold and COVID-19</a:t>
             </a:r>
           </a:p>
@@ -3667,10 +3666,10 @@
   </p:clrMapOvr>
   <mc:AlternateContent xmlns:mc="http://schemas.openxmlformats.org/markup-compatibility/2006">
     <mc:Choice xmlns:p14="http://schemas.microsoft.com/office/powerpoint/2010/main" Requires="p14">
-      <p:transition spd="slow" p14:dur="2000" advClick="0" advTm="20000"/>
+      <p:transition p14:dur="250" advClick="0" advTm="20000"/>
     </mc:Choice>
     <mc:Fallback>
-      <p:transition spd="slow" advClick="0" advTm="20000"/>
+      <p:transition advClick="0" advTm="20000"/>
     </mc:Fallback>
   </mc:AlternateContent>
 </p:sld>
@@ -3716,7 +3715,7 @@
           <a:p>
             <a:r>
               <a:rPr lang="en-US" dirty="0"/>
-              <a:t>How do we expand on this?</a:t>
+              <a:t>Why do the results matter?</a:t>
             </a:r>
           </a:p>
         </p:txBody>
@@ -3749,74 +3748,26 @@
           <a:p>
             <a:r>
               <a:rPr lang="en-US" dirty="0"/>
-              <a:t>There are many external features we could include in the project.</a:t>
+              <a:t>There are a lot of news reports that speculate COVID-19 being the same as the common cold.</a:t>
             </a:r>
           </a:p>
           <a:p>
             <a:r>
               <a:rPr lang="en-US" dirty="0"/>
-              <a:t>Average humidity, wind, AQI (Air quality), etc.</a:t>
+              <a:t>In this case, we were checking if the temperature had effects on COVID like it does with the common cold. </a:t>
             </a:r>
           </a:p>
           <a:p>
             <a:r>
               <a:rPr lang="en-US" dirty="0"/>
-              <a:t>Create a forecasting model that predicted future years past COVID-19.</a:t>
-            </a:r>
-          </a:p>
-          <a:p>
-            <a:r>
-              <a:rPr lang="en-US" dirty="0"/>
-              <a:t>Differentiating a “Feels-like” temperature with true temperature. </a:t>
-            </a:r>
-          </a:p>
-        </p:txBody>
-      </p:sp>
-      <p:pic>
-        <p:nvPicPr>
-          <p:cNvPr id="4098" name="Picture 2" descr="How to Check the Weather Forecast on Your iPhone">
-            <a:extLst>
-              <a:ext uri="{FF2B5EF4-FFF2-40B4-BE49-F238E27FC236}">
-                <a16:creationId xmlns:a16="http://schemas.microsoft.com/office/drawing/2014/main" id="{E9F314EF-32ED-FB47-1124-6103000A82A3}"/>
-              </a:ext>
-            </a:extLst>
-          </p:cNvPr>
-          <p:cNvPicPr>
-            <a:picLocks noChangeAspect="1" noChangeArrowheads="1"/>
-          </p:cNvPicPr>
-          <p:nvPr/>
-        </p:nvPicPr>
-        <p:blipFill rotWithShape="1">
-          <a:blip r:embed="rId2">
-            <a:extLst>
-              <a:ext uri="{28A0092B-C50C-407E-A947-70E740481C1C}">
-                <a14:useLocalDpi xmlns:a14="http://schemas.microsoft.com/office/drawing/2010/main" val="0"/>
-              </a:ext>
-            </a:extLst>
-          </a:blip>
-          <a:srcRect l="4838" t="49702" r="4838" b="11046"/>
-          <a:stretch/>
-        </p:blipFill>
-        <p:spPr bwMode="auto">
-          <a:xfrm>
-            <a:off x="4447309" y="4015148"/>
-            <a:ext cx="2845087" cy="2675947"/>
-          </a:xfrm>
-          <a:prstGeom prst="rect">
-            <a:avLst/>
-          </a:prstGeom>
-          <a:noFill/>
-          <a:extLst>
-            <a:ext uri="{909E8E84-426E-40DD-AFC4-6F175D3DCCD1}">
-              <a14:hiddenFill xmlns:a14="http://schemas.microsoft.com/office/drawing/2010/main">
-                <a:solidFill>
-                  <a:srgbClr val="FFFFFF"/>
-                </a:solidFill>
-              </a14:hiddenFill>
-            </a:ext>
-          </a:extLst>
-        </p:spPr>
-      </p:pic>
+              <a:t>This is a helpful result in determining similarities between the behaviors of the cold and COVID-19.</a:t>
+            </a:r>
+          </a:p>
+          <a:p>
+            <a:endParaRPr lang="en-US" dirty="0"/>
+          </a:p>
+        </p:txBody>
+      </p:sp>
     </p:spTree>
     <p:extLst>
       <p:ext uri="{BB962C8B-B14F-4D97-AF65-F5344CB8AC3E}">
@@ -3829,10 +3780,10 @@
   </p:clrMapOvr>
   <mc:AlternateContent xmlns:mc="http://schemas.openxmlformats.org/markup-compatibility/2006">
     <mc:Choice xmlns:p14="http://schemas.microsoft.com/office/powerpoint/2010/main" Requires="p14">
-      <p:transition spd="slow" p14:dur="2000" advClick="0" advTm="20000"/>
+      <p:transition p14:dur="250" advClick="0" advTm="20000"/>
     </mc:Choice>
     <mc:Fallback>
-      <p:transition spd="slow" advClick="0" advTm="20000"/>
+      <p:transition advClick="0" advTm="20000"/>
     </mc:Fallback>
   </mc:AlternateContent>
 </p:sld>
@@ -3860,7 +3811,7 @@
           <p:cNvPr id="2" name="Title 1">
             <a:extLst>
               <a:ext uri="{FF2B5EF4-FFF2-40B4-BE49-F238E27FC236}">
-                <a16:creationId xmlns:a16="http://schemas.microsoft.com/office/drawing/2014/main" id="{354B683A-19DB-56E8-0747-3F87D222F58D}"/>
+                <a16:creationId xmlns:a16="http://schemas.microsoft.com/office/drawing/2014/main" id="{757C3B0A-DEBF-98FC-76D6-2BA8C2FB50B4}"/>
               </a:ext>
             </a:extLst>
           </p:cNvPr>
@@ -3876,7 +3827,10 @@
           <a:bodyPr/>
           <a:lstStyle/>
           <a:p>
-            <a:endParaRPr lang="en-US" dirty="0"/>
+            <a:r>
+              <a:rPr lang="en-US" dirty="0"/>
+              <a:t>Why is it human centered &amp; how can we expand?</a:t>
+            </a:r>
           </a:p>
         </p:txBody>
       </p:sp>
@@ -3885,7 +3839,7 @@
           <p:cNvPr id="3" name="Content Placeholder 2">
             <a:extLst>
               <a:ext uri="{FF2B5EF4-FFF2-40B4-BE49-F238E27FC236}">
-                <a16:creationId xmlns:a16="http://schemas.microsoft.com/office/drawing/2014/main" id="{A60745EC-2C21-DB8F-B8C9-0DA6EF18EC79}"/>
+                <a16:creationId xmlns:a16="http://schemas.microsoft.com/office/drawing/2014/main" id="{D98EA536-F523-3CEB-BAFE-9F3713CD756D}"/>
               </a:ext>
             </a:extLst>
           </p:cNvPr>
@@ -3896,19 +3850,90 @@
             <p:ph idx="1"/>
           </p:nvPr>
         </p:nvSpPr>
-        <p:spPr/>
-        <p:txBody>
-          <a:bodyPr/>
-          <a:lstStyle/>
-          <a:p>
-            <a:endParaRPr lang="en-US"/>
-          </a:p>
-        </p:txBody>
-      </p:sp>
+        <p:spPr>
+          <a:xfrm>
+            <a:off x="1046018" y="1839479"/>
+            <a:ext cx="10515600" cy="4351338"/>
+          </a:xfrm>
+        </p:spPr>
+        <p:txBody>
+          <a:bodyPr/>
+          <a:lstStyle/>
+          <a:p>
+            <a:r>
+              <a:rPr lang="en-US" dirty="0"/>
+              <a:t>The project revolves around humans and how temperature affects their symptoms of covid-19.</a:t>
+            </a:r>
+          </a:p>
+          <a:p>
+            <a:r>
+              <a:rPr lang="en-US" dirty="0"/>
+              <a:t>Average humidity, wind, AQI (Air quality), etc.</a:t>
+            </a:r>
+          </a:p>
+          <a:p>
+            <a:r>
+              <a:rPr lang="en-US" dirty="0"/>
+              <a:t>Create a forecasting model that predicted future years past COVID-19.</a:t>
+            </a:r>
+          </a:p>
+          <a:p>
+            <a:r>
+              <a:rPr lang="en-US" dirty="0"/>
+              <a:t>Differentiating a “Feels-like” temperature with true temperature. </a:t>
+            </a:r>
+          </a:p>
+        </p:txBody>
+      </p:sp>
+      <p:pic>
+        <p:nvPicPr>
+          <p:cNvPr id="4098" name="Picture 2" descr="How to Check the Weather Forecast on Your iPhone">
+            <a:extLst>
+              <a:ext uri="{FF2B5EF4-FFF2-40B4-BE49-F238E27FC236}">
+                <a16:creationId xmlns:a16="http://schemas.microsoft.com/office/drawing/2014/main" id="{E9F314EF-32ED-FB47-1124-6103000A82A3}"/>
+              </a:ext>
+            </a:extLst>
+          </p:cNvPr>
+          <p:cNvPicPr>
+            <a:picLocks noChangeAspect="1" noChangeArrowheads="1"/>
+          </p:cNvPicPr>
+          <p:nvPr/>
+        </p:nvPicPr>
+        <p:blipFill rotWithShape="1">
+          <a:blip r:embed="rId2">
+            <a:extLst>
+              <a:ext uri="{28A0092B-C50C-407E-A947-70E740481C1C}">
+                <a14:useLocalDpi xmlns:a14="http://schemas.microsoft.com/office/drawing/2010/main" val="0"/>
+              </a:ext>
+            </a:extLst>
+          </a:blip>
+          <a:srcRect l="4838" t="49702" r="4838" b="11046"/>
+          <a:stretch/>
+        </p:blipFill>
+        <p:spPr bwMode="auto">
+          <a:xfrm>
+            <a:off x="4492465" y="4182053"/>
+            <a:ext cx="2845087" cy="2675947"/>
+          </a:xfrm>
+          <a:prstGeom prst="rect">
+            <a:avLst/>
+          </a:prstGeom>
+          <a:noFill/>
+          <a:extLst>
+            <a:ext uri="{909E8E84-426E-40DD-AFC4-6F175D3DCCD1}">
+              <a14:hiddenFill xmlns:a14="http://schemas.microsoft.com/office/drawing/2010/main">
+                <a:solidFill>
+                  <a:srgbClr val="FFFFFF"/>
+                </a:solidFill>
+              </a14:hiddenFill>
+            </a:ext>
+          </a:extLst>
+        </p:spPr>
+      </p:pic>
     </p:spTree>
     <p:extLst>
       <p:ext uri="{BB962C8B-B14F-4D97-AF65-F5344CB8AC3E}">
-        <p14:creationId xmlns:p14="http://schemas.microsoft.com/office/powerpoint/2010/main" val="1727358295"/>
+        <p14:creationId xmlns:p14="http://schemas.microsoft.com/office/powerpoint/2010/main" val="2874240572"/>
       </p:ext>
     </p:extLst>
   </p:cSld>
@@ -3917,10 +3942,10 @@
   </p:clrMapOvr>
   <mc:AlternateContent xmlns:mc="http://schemas.openxmlformats.org/markup-compatibility/2006">
     <mc:Choice xmlns:p14="http://schemas.microsoft.com/office/powerpoint/2010/main" Requires="p14">
-      <p:transition spd="slow" p14:dur="2000" advClick="0" advTm="20000"/>
+      <p:transition p14:dur="250" advClick="0" advTm="20000"/>
     </mc:Choice>
     <mc:Fallback>
-      <p:transition spd="slow" advClick="0" advTm="20000"/>
+      <p:transition advClick="0" advTm="20000"/>
     </mc:Fallback>
   </mc:AlternateContent>
 </p:sld>
@@ -3966,7 +3991,7 @@
           <a:p>
             <a:r>
               <a:rPr lang="en-US" dirty="0"/>
-              <a:t>Background</a:t>
+              <a:t>Motivation</a:t>
             </a:r>
           </a:p>
         </p:txBody>
@@ -4013,10 +4038,10 @@
   </p:clrMapOvr>
   <mc:AlternateContent xmlns:mc="http://schemas.openxmlformats.org/markup-compatibility/2006">
     <mc:Choice xmlns:p14="http://schemas.microsoft.com/office/powerpoint/2010/main" Requires="p14">
-      <p:transition spd="slow" p14:dur="2000" advClick="0" advTm="20000"/>
+      <p:transition p14:dur="250" advClick="0" advTm="20000"/>
     </mc:Choice>
     <mc:Fallback>
-      <p:transition spd="slow" advClick="0" advTm="20000"/>
+      <p:transition advClick="0" advTm="20000"/>
     </mc:Fallback>
   </mc:AlternateContent>
 </p:sld>
@@ -4197,10 +4222,10 @@
   </p:clrMapOvr>
   <mc:AlternateContent xmlns:mc="http://schemas.openxmlformats.org/markup-compatibility/2006">
     <mc:Choice xmlns:p14="http://schemas.microsoft.com/office/powerpoint/2010/main" Requires="p14">
-      <p:transition spd="slow" p14:dur="2000" advClick="0" advTm="20000"/>
+      <p:transition p14:dur="250" advClick="0" advTm="20000"/>
     </mc:Choice>
     <mc:Fallback>
-      <p:transition spd="slow" advClick="0" advTm="20000"/>
+      <p:transition advClick="0" advTm="20000"/>
     </mc:Fallback>
   </mc:AlternateContent>
 </p:sld>
@@ -4246,7 +4271,7 @@
           <a:p>
             <a:r>
               <a:rPr lang="en-US" dirty="0"/>
-              <a:t>What about COVID?</a:t>
+              <a:t>Problem: What about COVID?</a:t>
             </a:r>
           </a:p>
         </p:txBody>
@@ -4421,10 +4446,10 @@
   </p:clrMapOvr>
   <mc:AlternateContent xmlns:mc="http://schemas.openxmlformats.org/markup-compatibility/2006">
     <mc:Choice xmlns:p14="http://schemas.microsoft.com/office/powerpoint/2010/main" Requires="p14">
-      <p:transition spd="slow" p14:dur="2000" advClick="0" advTm="20000"/>
+      <p:transition p14:dur="250" advClick="0" advTm="20000"/>
     </mc:Choice>
     <mc:Fallback>
-      <p:transition spd="slow" advClick="0" advTm="20000"/>
+      <p:transition advClick="0" advTm="20000"/>
     </mc:Fallback>
   </mc:AlternateContent>
 </p:sld>
@@ -4632,10 +4657,10 @@
   </p:clrMapOvr>
   <mc:AlternateContent xmlns:mc="http://schemas.openxmlformats.org/markup-compatibility/2006">
     <mc:Choice xmlns:p14="http://schemas.microsoft.com/office/powerpoint/2010/main" Requires="p14">
-      <p:transition spd="slow" p14:dur="2000" advClick="0" advTm="20000"/>
+      <p:transition p14:dur="250" advClick="0" advTm="20000"/>
     </mc:Choice>
     <mc:Fallback>
-      <p:transition spd="slow" advClick="0" advTm="20000"/>
+      <p:transition advClick="0" advTm="20000"/>
     </mc:Fallback>
   </mc:AlternateContent>
 </p:sld>
@@ -4843,10 +4868,10 @@
   </p:clrMapOvr>
   <mc:AlternateContent xmlns:mc="http://schemas.openxmlformats.org/markup-compatibility/2006">
     <mc:Choice xmlns:p14="http://schemas.microsoft.com/office/powerpoint/2010/main" Requires="p14">
-      <p:transition spd="slow" p14:dur="2000" advClick="0" advTm="20000"/>
+      <p:transition p14:dur="250" advClick="0" advTm="20000"/>
     </mc:Choice>
     <mc:Fallback>
-      <p:transition spd="slow" advClick="0" advTm="20000"/>
+      <p:transition advClick="0" advTm="20000"/>
     </mc:Fallback>
   </mc:AlternateContent>
 </p:sld>
@@ -4998,10 +5023,10 @@
   </p:clrMapOvr>
   <mc:AlternateContent xmlns:mc="http://schemas.openxmlformats.org/markup-compatibility/2006">
     <mc:Choice xmlns:p14="http://schemas.microsoft.com/office/powerpoint/2010/main" Requires="p14">
-      <p:transition spd="slow" p14:dur="2000" advClick="0" advTm="20000"/>
+      <p:transition p14:dur="250" advClick="0" advTm="20000"/>
     </mc:Choice>
     <mc:Fallback>
-      <p:transition spd="slow" advClick="0" advTm="20000"/>
+      <p:transition advClick="0" advTm="20000"/>
     </mc:Fallback>
   </mc:AlternateContent>
 </p:sld>
@@ -5209,10 +5234,10 @@
   </p:clrMapOvr>
   <mc:AlternateContent xmlns:mc="http://schemas.openxmlformats.org/markup-compatibility/2006">
     <mc:Choice xmlns:p14="http://schemas.microsoft.com/office/powerpoint/2010/main" Requires="p14">
-      <p:transition spd="slow" p14:dur="2000" advClick="0" advTm="20000"/>
+      <p:transition p14:dur="250" advClick="0" advTm="20000"/>
     </mc:Choice>
     <mc:Fallback>
-      <p:transition spd="slow" advClick="0" advTm="20000"/>
+      <p:transition advClick="0" advTm="20000"/>
     </mc:Fallback>
   </mc:AlternateContent>
 </p:sld>
@@ -5387,7 +5412,7 @@
           <a:p>
             <a:pPr lvl="1"/>
             <a:r>
-              <a:rPr lang="en-US" dirty="0"/>
+              <a:rPr lang="en-US" b="1" dirty="0"/>
               <a:t>2.31 &gt; 1.645 so we reject the null hypothesis</a:t>
             </a:r>
           </a:p>
@@ -5452,10 +5477,10 @@
   </p:clrMapOvr>
   <mc:AlternateContent xmlns:mc="http://schemas.openxmlformats.org/markup-compatibility/2006">
     <mc:Choice xmlns:p14="http://schemas.microsoft.com/office/powerpoint/2010/main" Requires="p14">
-      <p:transition spd="slow" p14:dur="2000" advClick="0" advTm="20000"/>
+      <p:transition p14:dur="250" advClick="0" advTm="20000"/>
     </mc:Choice>
     <mc:Fallback>
-      <p:transition spd="slow" advClick="0" advTm="20000"/>
+      <p:transition advClick="0" advTm="20000"/>
     </mc:Fallback>
   </mc:AlternateContent>
 </p:sld>
